--- a/docs/Architectuur Document/ArchitectuurDocument Interactive wall.pptx
+++ b/docs/Architectuur Document/ArchitectuurDocument Interactive wall.pptx
@@ -104,6 +104,11 @@
       </a:defRPr>
     </a:lvl9pPr>
   </p:defaultTextStyle>
+  <p:extLst>
+    <p:ext uri="{EFAFB233-063F-42B5-8137-9DF3F51BA10A}">
+      <p15:sldGuideLst xmlns:p15="http://schemas.microsoft.com/office/powerpoint/2012/main"/>
+    </p:ext>
+  </p:extLst>
 </p:presentation>
 </file>
 
@@ -4671,7 +4676,7 @@
         <p:spPr>
           <a:xfrm>
             <a:off x="1038139" y="4700723"/>
-            <a:ext cx="1449029" cy="646331"/>
+            <a:ext cx="1449029" cy="369332"/>
           </a:xfrm>
           <a:prstGeom prst="rect">
             <a:avLst/>
@@ -4687,7 +4692,7 @@
             <a:pPr algn="ctr"/>
             <a:r>
               <a:rPr lang="en-BE" dirty="0"/>
-              <a:t>Conductive Paint</a:t>
+              <a:t>Micro-USB</a:t>
             </a:r>
           </a:p>
         </p:txBody>

--- a/docs/Architectuur Document/ArchitectuurDocument Interactive wall.pptx
+++ b/docs/Architectuur Document/ArchitectuurDocument Interactive wall.pptx
@@ -4592,7 +4592,7 @@
         </p:nvSpPr>
         <p:spPr>
           <a:xfrm>
-            <a:off x="7311044" y="2132504"/>
+            <a:off x="9209329" y="2697872"/>
             <a:ext cx="1449029" cy="738664"/>
           </a:xfrm>
           <a:prstGeom prst="rect">
@@ -4922,6 +4922,57 @@
           <a:p>
             <a:pPr algn="ctr"/>
             <a:endParaRPr lang="en-BE" sz="1100" dirty="0"/>
+          </a:p>
+          <a:p>
+            <a:pPr algn="ctr"/>
+            <a:endParaRPr lang="en-BE" sz="1100" dirty="0"/>
+          </a:p>
+        </p:txBody>
+      </p:sp>
+      <p:sp>
+        <p:nvSpPr>
+          <p:cNvPr id="2" name="TextBox 1">
+            <a:extLst>
+              <a:ext uri="{FF2B5EF4-FFF2-40B4-BE49-F238E27FC236}">
+                <a16:creationId xmlns:a16="http://schemas.microsoft.com/office/drawing/2014/main" id="{9A64EE16-7C32-DDD3-39FD-9032C085C4DA}"/>
+              </a:ext>
+            </a:extLst>
+          </p:cNvPr>
+          <p:cNvSpPr txBox="1"/>
+          <p:nvPr/>
+        </p:nvSpPr>
+        <p:spPr>
+          <a:xfrm>
+            <a:off x="6244766" y="880895"/>
+            <a:ext cx="1449029" cy="769441"/>
+          </a:xfrm>
+          <a:prstGeom prst="rect">
+            <a:avLst/>
+          </a:prstGeom>
+          <a:noFill/>
+        </p:spPr>
+        <p:txBody>
+          <a:bodyPr wrap="square" rtlCol="0">
+            <a:spAutoFit/>
+          </a:bodyPr>
+          <a:lstStyle/>
+          <a:p>
+            <a:pPr algn="ctr"/>
+            <a:endParaRPr lang="en-BE" sz="1100" dirty="0"/>
+          </a:p>
+          <a:p>
+            <a:pPr algn="ctr"/>
+            <a:r>
+              <a:rPr lang="en-BE" sz="1100" dirty="0"/>
+              <a:t>Koper</a:t>
+            </a:r>
+          </a:p>
+          <a:p>
+            <a:pPr algn="ctr"/>
+            <a:r>
+              <a:rPr lang="en-BE" sz="1100" dirty="0"/>
+              <a:t>draad</a:t>
+            </a:r>
           </a:p>
           <a:p>
             <a:pPr algn="ctr"/>
